--- a/thoh/presentations/20170405.pptx
+++ b/thoh/presentations/20170405.pptx
@@ -476,7 +476,7 @@
             <a:fld id="{5923F103-BC34-4FE4-A40E-EDDEECFDA5D0}" type="datetimeFigureOut">
               <a:rPr lang="en-US" dirty="0"/>
               <a:pPr/>
-              <a:t>4/5/17</a:t>
+              <a:t>4/6/17</a:t>
             </a:fld>
             <a:endParaRPr lang="en-US" dirty="0"/>
           </a:p>
@@ -1560,7 +1560,7 @@
           <a:p>
             <a:fld id="{923A1CC3-2375-41D4-9E03-427CAF2A4C1A}" type="datetimeFigureOut">
               <a:rPr lang="en-US" dirty="0"/>
-              <a:t>4/5/17</a:t>
+              <a:t>4/6/17</a:t>
             </a:fld>
             <a:endParaRPr lang="en-US" dirty="0"/>
           </a:p>
@@ -2536,7 +2536,7 @@
           <a:p>
             <a:fld id="{AFF16868-8199-4C2C-A5B1-63AEE139F88E}" type="datetimeFigureOut">
               <a:rPr lang="en-US" dirty="0"/>
-              <a:t>4/5/17</a:t>
+              <a:t>4/6/17</a:t>
             </a:fld>
             <a:endParaRPr lang="en-US" dirty="0"/>
           </a:p>
@@ -3666,7 +3666,7 @@
           <a:p>
             <a:fld id="{AAD9FF7F-6988-44CC-821B-644E70CD2F73}" type="datetimeFigureOut">
               <a:rPr lang="en-US" dirty="0"/>
-              <a:t>4/5/17</a:t>
+              <a:t>4/6/17</a:t>
             </a:fld>
             <a:endParaRPr lang="en-US" dirty="0"/>
           </a:p>
@@ -4695,7 +4695,7 @@
           <a:p>
             <a:fld id="{5C12C299-16B2-4475-990D-751901EACC14}" type="datetimeFigureOut">
               <a:rPr lang="en-US" dirty="0"/>
-              <a:t>4/5/17</a:t>
+              <a:t>4/6/17</a:t>
             </a:fld>
             <a:endParaRPr lang="en-US" dirty="0"/>
           </a:p>
@@ -5351,7 +5351,7 @@
           <a:p>
             <a:fld id="{9FE86839-B9D8-4651-8783-F325ECE74E65}" type="datetimeFigureOut">
               <a:rPr lang="en-US" dirty="0"/>
-              <a:t>4/5/17</a:t>
+              <a:t>4/6/17</a:t>
             </a:fld>
             <a:endParaRPr lang="en-US" dirty="0"/>
           </a:p>
@@ -6208,7 +6208,7 @@
           <a:p>
             <a:fld id="{FD484F64-32F6-45C5-931F-ADC1662401D0}" type="datetimeFigureOut">
               <a:rPr lang="en-US" dirty="0"/>
-              <a:t>4/5/17</a:t>
+              <a:t>4/6/17</a:t>
             </a:fld>
             <a:endParaRPr lang="en-US" dirty="0"/>
           </a:p>
@@ -6394,7 +6394,7 @@
           <a:p>
             <a:fld id="{53086D93-FCAC-47E0-A2EE-787E62CA814C}" type="datetimeFigureOut">
               <a:rPr lang="en-US" dirty="0"/>
-              <a:t>4/5/17</a:t>
+              <a:t>4/6/17</a:t>
             </a:fld>
             <a:endParaRPr lang="en-US" dirty="0"/>
           </a:p>
@@ -7362,7 +7362,7 @@
           <a:p>
             <a:fld id="{CDA879A6-0FD0-4734-A311-86BFCA472E6E}" type="datetimeFigureOut">
               <a:rPr lang="en-US" dirty="0"/>
-              <a:t>4/5/17</a:t>
+              <a:t>4/6/17</a:t>
             </a:fld>
             <a:endParaRPr lang="en-US" dirty="0"/>
           </a:p>
@@ -7569,7 +7569,7 @@
           <a:p>
             <a:fld id="{19C9CA7B-DFD4-44B5-8C60-D14B8CD1FB59}" type="datetimeFigureOut">
               <a:rPr lang="en-US" dirty="0"/>
-              <a:t>4/5/17</a:t>
+              <a:t>4/6/17</a:t>
             </a:fld>
             <a:endParaRPr lang="en-US" dirty="0"/>
           </a:p>
@@ -8599,7 +8599,7 @@
           <a:p>
             <a:fld id="{F34E6425-0181-43F2-84FC-787E803FD2F8}" type="datetimeFigureOut">
               <a:rPr lang="en-US" dirty="0"/>
-              <a:t>4/5/17</a:t>
+              <a:t>4/6/17</a:t>
             </a:fld>
             <a:endParaRPr lang="en-US" dirty="0"/>
           </a:p>
@@ -8867,7 +8867,7 @@
           <a:p>
             <a:fld id="{3BDB8791-F1B0-41E7-B7FD-A781E65C4266}" type="datetimeFigureOut">
               <a:rPr lang="en-US" dirty="0"/>
-              <a:t>4/5/17</a:t>
+              <a:t>4/6/17</a:t>
             </a:fld>
             <a:endParaRPr lang="en-US" dirty="0"/>
           </a:p>
@@ -9273,7 +9273,7 @@
           <a:p>
             <a:fld id="{5FDD63B2-E120-4ED8-B27B-C685F510A5FE}" type="datetimeFigureOut">
               <a:rPr lang="en-US" dirty="0"/>
-              <a:t>4/5/17</a:t>
+              <a:t>4/6/17</a:t>
             </a:fld>
             <a:endParaRPr lang="en-US" dirty="0"/>
           </a:p>
@@ -9396,7 +9396,7 @@
           <a:p>
             <a:fld id="{7AA18ACC-A947-437B-A130-35BD54FDF1E9}" type="datetimeFigureOut">
               <a:rPr lang="en-US" dirty="0"/>
-              <a:t>4/5/17</a:t>
+              <a:t>4/6/17</a:t>
             </a:fld>
             <a:endParaRPr lang="en-US" dirty="0"/>
           </a:p>
@@ -9487,7 +9487,7 @@
           <a:p>
             <a:fld id="{7C8D7E02-BCB8-4D50-A234-369438C08659}" type="datetimeFigureOut">
               <a:rPr lang="en-US" dirty="0"/>
-              <a:t>4/5/17</a:t>
+              <a:t>4/6/17</a:t>
             </a:fld>
             <a:endParaRPr lang="en-US" dirty="0"/>
           </a:p>
@@ -10564,7 +10564,7 @@
           <a:p>
             <a:fld id="{76E86A4C-8E40-4F87-A4F0-01A0687C5742}" type="datetimeFigureOut">
               <a:rPr lang="en-US" dirty="0"/>
-              <a:t>4/5/17</a:t>
+              <a:t>4/6/17</a:t>
             </a:fld>
             <a:endParaRPr lang="en-US" dirty="0"/>
           </a:p>
@@ -11668,7 +11668,7 @@
           <a:p>
             <a:fld id="{35E72C73-2D91-4E12-BA25-F0AA0C03599B}" type="datetimeFigureOut">
               <a:rPr lang="en-US" dirty="0"/>
-              <a:t>4/5/17</a:t>
+              <a:t>4/6/17</a:t>
             </a:fld>
             <a:endParaRPr lang="en-US" dirty="0"/>
           </a:p>
@@ -12661,7 +12661,7 @@
           <a:p>
             <a:fld id="{2BE451C3-0FF4-47C4-B829-773ADF60F88C}" type="datetimeFigureOut">
               <a:rPr lang="en-US" dirty="0"/>
-              <a:t>4/5/17</a:t>
+              <a:t>4/6/17</a:t>
             </a:fld>
             <a:endParaRPr lang="en-US" dirty="0"/>
           </a:p>
@@ -14076,8 +14076,8 @@
               <a:t>Scan kernel on the aggregate function and </a:t>
             </a:r>
             <a:r>
-              <a:rPr lang="en-US" altLang="zh-CN" dirty="0" err="1" smtClean="0"/>
-              <a:t>expressionsT</a:t>
+              <a:rPr lang="en-US" altLang="zh-CN" dirty="0" smtClean="0"/>
+              <a:t>expressions</a:t>
             </a:r>
             <a:endParaRPr lang="en-US" altLang="zh-CN" dirty="0" smtClean="0"/>
           </a:p>
@@ -14085,7 +14085,7 @@
             <a:pPr lvl="1"/>
             <a:r>
               <a:rPr lang="en-US" altLang="zh-CN" dirty="0" smtClean="0"/>
-              <a:t>he </a:t>
+              <a:t>The </a:t>
             </a:r>
             <a:r>
               <a:rPr lang="en-US" altLang="zh-CN" dirty="0"/>
@@ -14114,15 +14114,15 @@
           <a:p>
             <a:r>
               <a:rPr lang="en-US" altLang="zh-CN" dirty="0"/>
-              <a:t>There are various ways by which these kernels can be gen- </a:t>
-            </a:r>
-            <a:r>
-              <a:rPr lang="en-US" altLang="zh-CN" dirty="0" err="1"/>
-              <a:t>erated</a:t>
+              <a:t>There are various ways by which these kernels can be </a:t>
+            </a:r>
+            <a:r>
+              <a:rPr lang="en-US" altLang="zh-CN" dirty="0" smtClean="0"/>
+              <a:t>generated </a:t>
             </a:r>
             <a:r>
               <a:rPr lang="en-US" altLang="zh-CN" dirty="0"/>
-              <a:t> at execution </a:t>
+              <a:t>at execution </a:t>
             </a:r>
             <a:r>
               <a:rPr lang="en-US" altLang="zh-CN" dirty="0" smtClean="0"/>
@@ -15431,14 +15431,12 @@
               <a:rPr lang="en-US" altLang="zh-CN" dirty="0"/>
               <a:t>In order to reduce contention on the atomic when the group-by contains few groups, we introduce multiple hash tables into which the groups are inserted during the scan. </a:t>
             </a:r>
-            <a:endParaRPr lang="en-US" altLang="zh-CN" dirty="0"/>
           </a:p>
           <a:p>
             <a:r>
               <a:rPr lang="en-US" altLang="zh-CN" dirty="0"/>
               <a:t>Before calling the Finalizer kernel, the partial aggregates from the different hash tables are aggregated and inserted into a final global hash table. </a:t>
             </a:r>
-            <a:endParaRPr lang="en-US" altLang="zh-CN" dirty="0"/>
           </a:p>
           <a:p>
             <a:endParaRPr lang="en-US" altLang="zh-CN" dirty="0"/>
@@ -15569,7 +15567,6 @@
               <a:rPr lang="en-US" altLang="zh-CN" dirty="0"/>
               <a:t>into processor-specific shared memories. </a:t>
             </a:r>
-            <a:endParaRPr lang="en-US" altLang="zh-CN" dirty="0"/>
           </a:p>
           <a:p>
             <a:r>
@@ -15600,7 +15597,6 @@
               <a:rPr lang="en-US" altLang="zh-CN" dirty="0"/>
               <a:t>and are faster than the shared L2 cache. </a:t>
             </a:r>
-            <a:endParaRPr lang="en-US" altLang="zh-CN" dirty="0"/>
           </a:p>
           <a:p>
             <a:endParaRPr lang="en-US" altLang="zh-CN" dirty="0"/>
@@ -15734,7 +15730,6 @@
               <a:rPr lang="en-US" altLang="zh-CN" dirty="0"/>
               <a:t>there are many threads on each processor, the hash table cannot be placed into shared memory for capacity reasons. Instead, we place the hash tables in device memory. </a:t>
             </a:r>
-            <a:endParaRPr lang="en-US" altLang="zh-CN" dirty="0"/>
           </a:p>
         </p:txBody>
       </p:sp>
@@ -15848,7 +15843,6 @@
               <a:rPr lang="en-US" altLang="zh-CN" dirty="0"/>
               <a:t>Instead of hashing, grouping can also be implemented using sorting </a:t>
             </a:r>
-            <a:endParaRPr lang="en-US" altLang="zh-CN" dirty="0"/>
           </a:p>
           <a:p>
             <a:endParaRPr lang="en-US" altLang="zh-CN" dirty="0"/>
